--- a/materials/BCGK.pptx
+++ b/materials/BCGK.pptx
@@ -215,7 +215,7 @@
           <a:p>
             <a:fld id="{9FDB9C57-9DE0-864D-8892-8E383CD10053}" type="datetimeFigureOut">
               <a:rPr lang="en-VN" smtClean="0"/>
-              <a:t>04/20/2025</a:t>
+              <a:t>04/24/2025</a:t>
             </a:fld>
             <a:endParaRPr lang="en-VN"/>
           </a:p>
@@ -527,6 +527,367 @@
           <a:bodyPr/>
           <a:lstStyle/>
           <a:p>
+            <a:r>
+              <a:rPr lang="vi-VN" dirty="0"/>
+              <a:t>Xin chào quý thầy cô và các bạn, em là Nguyễn Gia Bảo Ngọc, trong học kì này với sự hướng dẫn của thầy Quân và thầy Dương, em sẽ thực hiện đề tài Phát triển trình mô phỏng SoC làm đề tài khóa luận tốt nghiệp.</a:t>
+            </a:r>
+            <a:endParaRPr lang="en-US" dirty="0"/>
+          </a:p>
+        </p:txBody>
+      </p:sp>
+      <p:sp>
+        <p:nvSpPr>
+          <p:cNvPr id="4" name="Slide Number Placeholder 3"/>
+          <p:cNvSpPr>
+            <a:spLocks noGrp="1"/>
+          </p:cNvSpPr>
+          <p:nvPr>
+            <p:ph type="sldNum" sz="quarter" idx="5"/>
+          </p:nvPr>
+        </p:nvSpPr>
+        <p:spPr/>
+        <p:txBody>
+          <a:bodyPr/>
+          <a:lstStyle/>
+          <a:p>
+            <a:fld id="{9472230F-6A15-1C40-B7C8-A7F6E63A524E}" type="slidenum">
+              <a:rPr lang="en-VN" smtClean="0"/>
+              <a:t>1</a:t>
+            </a:fld>
+            <a:endParaRPr lang="en-VN"/>
+          </a:p>
+        </p:txBody>
+      </p:sp>
+    </p:spTree>
+    <p:extLst>
+      <p:ext uri="{BB962C8B-B14F-4D97-AF65-F5344CB8AC3E}">
+        <p14:creationId xmlns:p14="http://schemas.microsoft.com/office/powerpoint/2010/main" val="2522655403"/>
+      </p:ext>
+    </p:extLst>
+  </p:cSld>
+  <p:clrMapOvr>
+    <a:masterClrMapping/>
+  </p:clrMapOvr>
+</p:notes>
+</file>
+
+<file path=ppt/notesSlides/notesSlide2.xml><?xml version="1.0" encoding="utf-8"?>
+<p:notes xmlns:a="http://schemas.openxmlformats.org/drawingml/2006/main" xmlns:r="http://schemas.openxmlformats.org/officeDocument/2006/relationships" xmlns:p="http://schemas.openxmlformats.org/presentationml/2006/main">
+  <p:cSld>
+    <p:spTree>
+      <p:nvGrpSpPr>
+        <p:cNvPr id="1" name=""/>
+        <p:cNvGrpSpPr/>
+        <p:nvPr/>
+      </p:nvGrpSpPr>
+      <p:grpSpPr>
+        <a:xfrm>
+          <a:off x="0" y="0"/>
+          <a:ext cx="0" cy="0"/>
+          <a:chOff x="0" y="0"/>
+          <a:chExt cx="0" cy="0"/>
+        </a:xfrm>
+      </p:grpSpPr>
+      <p:sp>
+        <p:nvSpPr>
+          <p:cNvPr id="2" name="Slide Image Placeholder 1"/>
+          <p:cNvSpPr>
+            <a:spLocks noGrp="1" noRot="1" noChangeAspect="1"/>
+          </p:cNvSpPr>
+          <p:nvPr>
+            <p:ph type="sldImg"/>
+          </p:nvPr>
+        </p:nvSpPr>
+        <p:spPr/>
+      </p:sp>
+      <p:sp>
+        <p:nvSpPr>
+          <p:cNvPr id="3" name="Notes Placeholder 2"/>
+          <p:cNvSpPr>
+            <a:spLocks noGrp="1"/>
+          </p:cNvSpPr>
+          <p:nvPr>
+            <p:ph type="body" idx="1"/>
+          </p:nvPr>
+        </p:nvSpPr>
+        <p:spPr/>
+        <p:txBody>
+          <a:bodyPr/>
+          <a:lstStyle/>
+          <a:p>
+            <a:r>
+              <a:rPr lang="vi-VN" dirty="0"/>
+              <a:t>Nội dung báo cáo của em sẽ bao gồm 4 phần chính là Tổng quan đề tài, Giải pháp đề xuất, Kết quả đến thời điểm hiện tại cũng như kết luận và các công việc kế tiếp</a:t>
+            </a:r>
+            <a:endParaRPr lang="en-US" dirty="0"/>
+          </a:p>
+        </p:txBody>
+      </p:sp>
+      <p:sp>
+        <p:nvSpPr>
+          <p:cNvPr id="4" name="Slide Number Placeholder 3"/>
+          <p:cNvSpPr>
+            <a:spLocks noGrp="1"/>
+          </p:cNvSpPr>
+          <p:nvPr>
+            <p:ph type="sldNum" sz="quarter" idx="5"/>
+          </p:nvPr>
+        </p:nvSpPr>
+        <p:spPr/>
+        <p:txBody>
+          <a:bodyPr/>
+          <a:lstStyle/>
+          <a:p>
+            <a:fld id="{9472230F-6A15-1C40-B7C8-A7F6E63A524E}" type="slidenum">
+              <a:rPr lang="en-VN" smtClean="0"/>
+              <a:t>2</a:t>
+            </a:fld>
+            <a:endParaRPr lang="en-VN"/>
+          </a:p>
+        </p:txBody>
+      </p:sp>
+    </p:spTree>
+    <p:extLst>
+      <p:ext uri="{BB962C8B-B14F-4D97-AF65-F5344CB8AC3E}">
+        <p14:creationId xmlns:p14="http://schemas.microsoft.com/office/powerpoint/2010/main" val="1866635805"/>
+      </p:ext>
+    </p:extLst>
+  </p:cSld>
+  <p:clrMapOvr>
+    <a:masterClrMapping/>
+  </p:clrMapOvr>
+</p:notes>
+</file>
+
+<file path=ppt/notesSlides/notesSlide3.xml><?xml version="1.0" encoding="utf-8"?>
+<p:notes xmlns:a="http://schemas.openxmlformats.org/drawingml/2006/main" xmlns:r="http://schemas.openxmlformats.org/officeDocument/2006/relationships" xmlns:p="http://schemas.openxmlformats.org/presentationml/2006/main">
+  <p:cSld>
+    <p:spTree>
+      <p:nvGrpSpPr>
+        <p:cNvPr id="1" name=""/>
+        <p:cNvGrpSpPr/>
+        <p:nvPr/>
+      </p:nvGrpSpPr>
+      <p:grpSpPr>
+        <a:xfrm>
+          <a:off x="0" y="0"/>
+          <a:ext cx="0" cy="0"/>
+          <a:chOff x="0" y="0"/>
+          <a:chExt cx="0" cy="0"/>
+        </a:xfrm>
+      </p:grpSpPr>
+      <p:sp>
+        <p:nvSpPr>
+          <p:cNvPr id="2" name="Slide Image Placeholder 1"/>
+          <p:cNvSpPr>
+            <a:spLocks noGrp="1" noRot="1" noChangeAspect="1"/>
+          </p:cNvSpPr>
+          <p:nvPr>
+            <p:ph type="sldImg"/>
+          </p:nvPr>
+        </p:nvSpPr>
+        <p:spPr/>
+      </p:sp>
+      <p:sp>
+        <p:nvSpPr>
+          <p:cNvPr id="3" name="Notes Placeholder 2"/>
+          <p:cNvSpPr>
+            <a:spLocks noGrp="1"/>
+          </p:cNvSpPr>
+          <p:nvPr>
+            <p:ph type="body" idx="1"/>
+          </p:nvPr>
+        </p:nvSpPr>
+        <p:spPr/>
+        <p:txBody>
+          <a:bodyPr/>
+          <a:lstStyle/>
+          <a:p>
+            <a:r>
+              <a:rPr lang="vi-VN" dirty="0"/>
+              <a:t>Về tổng quan, hiện nay đã có nhiều công cụ mô phỏng được áp dụng vào việc giảng dạy các kiến thức liên quan đến Kiến trúc máy tính cũng như SoC. Tuy vậy, các công cụ này chỉ dừng lại ở mức mô phỏng bộ vi xử lí mà chưa chú trọng vào các thành phần khác.</a:t>
+            </a:r>
+            <a:br>
+              <a:rPr lang="vi-VN" dirty="0"/>
+            </a:br>
+            <a:r>
+              <a:rPr lang="vi-VN" dirty="0"/>
+              <a:t>Các kiến thức về SoC cần có sự liên hệ giữa các thành phần liên quan, vì thế cấp thiết cần phải có 1 bộ công cụ mô phỏng SoC cho việc dạy và học.</a:t>
+            </a:r>
+          </a:p>
+          <a:p>
+            <a:r>
+              <a:rPr lang="vi-VN" dirty="0"/>
+              <a:t>Mục tiêu của đề tài là phát triển trình mô phỏng SoC trên nền web hỗ trợ cho việc dạy và học.</a:t>
+            </a:r>
+            <a:endParaRPr lang="en-US" dirty="0"/>
+          </a:p>
+        </p:txBody>
+      </p:sp>
+      <p:sp>
+        <p:nvSpPr>
+          <p:cNvPr id="4" name="Slide Number Placeholder 3"/>
+          <p:cNvSpPr>
+            <a:spLocks noGrp="1"/>
+          </p:cNvSpPr>
+          <p:nvPr>
+            <p:ph type="sldNum" sz="quarter" idx="5"/>
+          </p:nvPr>
+        </p:nvSpPr>
+        <p:spPr/>
+        <p:txBody>
+          <a:bodyPr/>
+          <a:lstStyle/>
+          <a:p>
+            <a:fld id="{9472230F-6A15-1C40-B7C8-A7F6E63A524E}" type="slidenum">
+              <a:rPr lang="en-VN" smtClean="0"/>
+              <a:t>3</a:t>
+            </a:fld>
+            <a:endParaRPr lang="en-VN"/>
+          </a:p>
+        </p:txBody>
+      </p:sp>
+    </p:spTree>
+    <p:extLst>
+      <p:ext uri="{BB962C8B-B14F-4D97-AF65-F5344CB8AC3E}">
+        <p14:creationId xmlns:p14="http://schemas.microsoft.com/office/powerpoint/2010/main" val="3766111781"/>
+      </p:ext>
+    </p:extLst>
+  </p:cSld>
+  <p:clrMapOvr>
+    <a:masterClrMapping/>
+  </p:clrMapOvr>
+</p:notes>
+</file>
+
+<file path=ppt/notesSlides/notesSlide4.xml><?xml version="1.0" encoding="utf-8"?>
+<p:notes xmlns:a="http://schemas.openxmlformats.org/drawingml/2006/main" xmlns:r="http://schemas.openxmlformats.org/officeDocument/2006/relationships" xmlns:p="http://schemas.openxmlformats.org/presentationml/2006/main">
+  <p:cSld>
+    <p:spTree>
+      <p:nvGrpSpPr>
+        <p:cNvPr id="1" name=""/>
+        <p:cNvGrpSpPr/>
+        <p:nvPr/>
+      </p:nvGrpSpPr>
+      <p:grpSpPr>
+        <a:xfrm>
+          <a:off x="0" y="0"/>
+          <a:ext cx="0" cy="0"/>
+          <a:chOff x="0" y="0"/>
+          <a:chExt cx="0" cy="0"/>
+        </a:xfrm>
+      </p:grpSpPr>
+      <p:sp>
+        <p:nvSpPr>
+          <p:cNvPr id="2" name="Slide Image Placeholder 1"/>
+          <p:cNvSpPr>
+            <a:spLocks noGrp="1" noRot="1" noChangeAspect="1"/>
+          </p:cNvSpPr>
+          <p:nvPr>
+            <p:ph type="sldImg"/>
+          </p:nvPr>
+        </p:nvSpPr>
+        <p:spPr/>
+      </p:sp>
+      <p:sp>
+        <p:nvSpPr>
+          <p:cNvPr id="3" name="Notes Placeholder 2"/>
+          <p:cNvSpPr>
+            <a:spLocks noGrp="1"/>
+          </p:cNvSpPr>
+          <p:nvPr>
+            <p:ph type="body" idx="1"/>
+          </p:nvPr>
+        </p:nvSpPr>
+        <p:spPr/>
+        <p:txBody>
+          <a:bodyPr/>
+          <a:lstStyle/>
+          <a:p>
+            <a:endParaRPr lang="en-US" dirty="0"/>
+          </a:p>
+        </p:txBody>
+      </p:sp>
+      <p:sp>
+        <p:nvSpPr>
+          <p:cNvPr id="4" name="Slide Number Placeholder 3"/>
+          <p:cNvSpPr>
+            <a:spLocks noGrp="1"/>
+          </p:cNvSpPr>
+          <p:nvPr>
+            <p:ph type="sldNum" sz="quarter" idx="5"/>
+          </p:nvPr>
+        </p:nvSpPr>
+        <p:spPr/>
+        <p:txBody>
+          <a:bodyPr/>
+          <a:lstStyle/>
+          <a:p>
+            <a:fld id="{9472230F-6A15-1C40-B7C8-A7F6E63A524E}" type="slidenum">
+              <a:rPr lang="en-VN" smtClean="0"/>
+              <a:t>4</a:t>
+            </a:fld>
+            <a:endParaRPr lang="en-VN"/>
+          </a:p>
+        </p:txBody>
+      </p:sp>
+    </p:spTree>
+    <p:extLst>
+      <p:ext uri="{BB962C8B-B14F-4D97-AF65-F5344CB8AC3E}">
+        <p14:creationId xmlns:p14="http://schemas.microsoft.com/office/powerpoint/2010/main" val="789015703"/>
+      </p:ext>
+    </p:extLst>
+  </p:cSld>
+  <p:clrMapOvr>
+    <a:masterClrMapping/>
+  </p:clrMapOvr>
+</p:notes>
+</file>
+
+<file path=ppt/notesSlides/notesSlide5.xml><?xml version="1.0" encoding="utf-8"?>
+<p:notes xmlns:a="http://schemas.openxmlformats.org/drawingml/2006/main" xmlns:r="http://schemas.openxmlformats.org/officeDocument/2006/relationships" xmlns:p="http://schemas.openxmlformats.org/presentationml/2006/main">
+  <p:cSld>
+    <p:spTree>
+      <p:nvGrpSpPr>
+        <p:cNvPr id="1" name=""/>
+        <p:cNvGrpSpPr/>
+        <p:nvPr/>
+      </p:nvGrpSpPr>
+      <p:grpSpPr>
+        <a:xfrm>
+          <a:off x="0" y="0"/>
+          <a:ext cx="0" cy="0"/>
+          <a:chOff x="0" y="0"/>
+          <a:chExt cx="0" cy="0"/>
+        </a:xfrm>
+      </p:grpSpPr>
+      <p:sp>
+        <p:nvSpPr>
+          <p:cNvPr id="2" name="Slide Image Placeholder 1"/>
+          <p:cNvSpPr>
+            <a:spLocks noGrp="1" noRot="1" noChangeAspect="1"/>
+          </p:cNvSpPr>
+          <p:nvPr>
+            <p:ph type="sldImg"/>
+          </p:nvPr>
+        </p:nvSpPr>
+        <p:spPr/>
+      </p:sp>
+      <p:sp>
+        <p:nvSpPr>
+          <p:cNvPr id="3" name="Notes Placeholder 2"/>
+          <p:cNvSpPr>
+            <a:spLocks noGrp="1"/>
+          </p:cNvSpPr>
+          <p:nvPr>
+            <p:ph type="body" idx="1"/>
+          </p:nvPr>
+        </p:nvSpPr>
+        <p:spPr/>
+        <p:txBody>
+          <a:bodyPr/>
+          <a:lstStyle/>
+          <a:p>
             <a:endParaRPr lang="vi-VN" dirty="0"/>
           </a:p>
         </p:txBody>
@@ -839,7 +1200,7 @@
           <a:p>
             <a:fld id="{B2203D80-2A77-FF40-B2F3-C1B60766027B}" type="datetime3">
               <a:rPr lang="en-US" smtClean="0"/>
-              <a:t>20 April 2025</a:t>
+              <a:t>24 April 2025</a:t>
             </a:fld>
             <a:endParaRPr lang="en-US" dirty="0"/>
           </a:p>
@@ -1717,7 +2078,7 @@
           <a:p>
             <a:fld id="{81720595-1D13-FB4B-A345-0906822BCC7D}" type="datetime3">
               <a:rPr lang="en-US" smtClean="0"/>
-              <a:t>20 April 2025</a:t>
+              <a:t>24 April 2025</a:t>
             </a:fld>
             <a:endParaRPr lang="en-US" dirty="0"/>
           </a:p>
@@ -2512,7 +2873,7 @@
           <a:p>
             <a:fld id="{495D7E87-33E4-774F-A870-A86FB4A2E684}" type="datetime3">
               <a:rPr lang="en-US" smtClean="0"/>
-              <a:t>20 April 2025</a:t>
+              <a:t>24 April 2025</a:t>
             </a:fld>
             <a:endParaRPr lang="en-US" dirty="0"/>
           </a:p>
@@ -2606,7 +2967,7 @@
           <a:p>
             <a:fld id="{495D7E87-33E4-774F-A870-A86FB4A2E684}" type="datetime3">
               <a:rPr lang="en-US" smtClean="0"/>
-              <a:t>20 April 2025</a:t>
+              <a:t>24 April 2025</a:t>
             </a:fld>
             <a:endParaRPr lang="en-US" dirty="0"/>
           </a:p>
@@ -2705,7 +3066,7 @@
           <a:p>
             <a:fld id="{495D7E87-33E4-774F-A870-A86FB4A2E684}" type="datetime3">
               <a:rPr lang="en-US" smtClean="0"/>
-              <a:t>20 April 2025</a:t>
+              <a:t>24 April 2025</a:t>
             </a:fld>
             <a:endParaRPr lang="en-US" dirty="0"/>
           </a:p>
@@ -3015,7 +3376,7 @@
           <a:p>
             <a:fld id="{80AC5163-90AE-AD4E-90CC-EF8132230884}" type="datetime3">
               <a:rPr lang="en-US" smtClean="0"/>
-              <a:t>20 April 2025</a:t>
+              <a:t>24 April 2025</a:t>
             </a:fld>
             <a:endParaRPr lang="en-US" dirty="0"/>
           </a:p>
@@ -4001,7 +4362,7 @@
           <a:p>
             <a:fld id="{DCD3818E-E997-CB43-BA3A-7A12F66A1845}" type="datetime3">
               <a:rPr lang="en-US" smtClean="0"/>
-              <a:t>20 April 2025</a:t>
+              <a:t>24 April 2025</a:t>
             </a:fld>
             <a:endParaRPr lang="en-US" dirty="0"/>
           </a:p>
@@ -4914,7 +5275,7 @@
           <a:p>
             <a:fld id="{646C75B1-5554-9E4B-9A38-5905F72F5940}" type="datetime3">
               <a:rPr lang="en-US" smtClean="0"/>
-              <a:t>20 April 2025</a:t>
+              <a:t>24 April 2025</a:t>
             </a:fld>
             <a:endParaRPr lang="en-US" dirty="0"/>
           </a:p>
@@ -5827,7 +6188,7 @@
           <a:p>
             <a:fld id="{0EB64986-AD58-F748-BD5B-19DAFB14C4B2}" type="datetime3">
               <a:rPr lang="en-US" smtClean="0"/>
-              <a:t>20 April 2025</a:t>
+              <a:t>24 April 2025</a:t>
             </a:fld>
             <a:endParaRPr lang="en-US" dirty="0"/>
           </a:p>
@@ -6627,7 +6988,7 @@
           <a:p>
             <a:fld id="{ACF17CAC-8297-FC4A-82FA-F61255D7A70E}" type="datetime3">
               <a:rPr lang="en-US" smtClean="0"/>
-              <a:t>20 April 2025</a:t>
+              <a:t>24 April 2025</a:t>
             </a:fld>
             <a:endParaRPr lang="en-US" dirty="0"/>
           </a:p>
@@ -7944,7 +8305,7 @@
           <a:p>
             <a:fld id="{A4B08D6D-E5AB-054C-8BBA-2EAE96362CB2}" type="datetime3">
               <a:rPr lang="en-US" smtClean="0"/>
-              <a:t>20 April 2025</a:t>
+              <a:t>24 April 2025</a:t>
             </a:fld>
             <a:endParaRPr lang="en-US" dirty="0"/>
           </a:p>
@@ -8925,7 +9286,7 @@
           <a:p>
             <a:fld id="{A4B08D6D-E5AB-054C-8BBA-2EAE96362CB2}" type="datetime3">
               <a:rPr lang="en-US" smtClean="0"/>
-              <a:t>20 April 2025</a:t>
+              <a:t>24 April 2025</a:t>
             </a:fld>
             <a:endParaRPr lang="en-US" dirty="0"/>
           </a:p>
@@ -9906,7 +10267,7 @@
           <a:p>
             <a:fld id="{A4B08D6D-E5AB-054C-8BBA-2EAE96362CB2}" type="datetime3">
               <a:rPr lang="en-US" smtClean="0"/>
-              <a:t>20 April 2025</a:t>
+              <a:t>24 April 2025</a:t>
             </a:fld>
             <a:endParaRPr lang="en-US" dirty="0"/>
           </a:p>
@@ -10887,7 +11248,7 @@
           <a:p>
             <a:fld id="{A4B08D6D-E5AB-054C-8BBA-2EAE96362CB2}" type="datetime3">
               <a:rPr lang="en-US" smtClean="0"/>
-              <a:t>20 April 2025</a:t>
+              <a:t>24 April 2025</a:t>
             </a:fld>
             <a:endParaRPr lang="en-US" dirty="0"/>
           </a:p>
@@ -11868,7 +12229,7 @@
           <a:p>
             <a:fld id="{A4B08D6D-E5AB-054C-8BBA-2EAE96362CB2}" type="datetime3">
               <a:rPr lang="en-US" smtClean="0"/>
-              <a:t>20 April 2025</a:t>
+              <a:t>24 April 2025</a:t>
             </a:fld>
             <a:endParaRPr lang="en-US" dirty="0"/>
           </a:p>
@@ -12852,7 +13213,7 @@
           <a:p>
             <a:fld id="{204E05FC-80DB-0148-874D-D86DE9D2ADC5}" type="datetime3">
               <a:rPr lang="en-US" smtClean="0"/>
-              <a:t>20 April 2025</a:t>
+              <a:t>24 April 2025</a:t>
             </a:fld>
             <a:endParaRPr lang="en-US" dirty="0"/>
           </a:p>
@@ -13992,7 +14353,7 @@
           <a:p>
             <a:fld id="{BEA5D97B-A544-724E-B7AA-E954CECFEC59}" type="datetime3">
               <a:rPr lang="en-US" smtClean="0"/>
-              <a:t>20 April 2025</a:t>
+              <a:t>24 April 2025</a:t>
             </a:fld>
             <a:endParaRPr lang="en-US" dirty="0"/>
           </a:p>
@@ -14950,7 +15311,7 @@
           <a:p>
             <a:fld id="{117EE0CA-0453-9B47-838C-B39080F57770}" type="datetime3">
               <a:rPr lang="en-US" smtClean="0"/>
-              <a:t>20 April 2025</a:t>
+              <a:t>24 April 2025</a:t>
             </a:fld>
             <a:endParaRPr lang="en-US" dirty="0"/>
           </a:p>
@@ -16770,44 +17131,12 @@
                 <a:t> </a:t>
               </a:r>
               <a:r>
-                <a:rPr lang="en-US" sz="2400" dirty="0" err="1">
+                <a:rPr lang="vi-VN" sz="2400" dirty="0">
                   <a:solidFill>
                     <a:schemeClr val="bg1"/>
                   </a:solidFill>
                 </a:rPr>
-                <a:t>hướng</a:t>
-              </a:r>
-              <a:r>
-                <a:rPr lang="en-US" sz="2400" dirty="0">
-                  <a:solidFill>
-                    <a:schemeClr val="bg1"/>
-                  </a:solidFill>
-                </a:rPr>
-                <a:t> </a:t>
-              </a:r>
-              <a:r>
-                <a:rPr lang="en-US" sz="2400" dirty="0" err="1">
-                  <a:solidFill>
-                    <a:schemeClr val="bg1"/>
-                  </a:solidFill>
-                </a:rPr>
-                <a:t>phát</a:t>
-              </a:r>
-              <a:r>
-                <a:rPr lang="en-US" sz="2400" dirty="0">
-                  <a:solidFill>
-                    <a:schemeClr val="bg1"/>
-                  </a:solidFill>
-                </a:rPr>
-                <a:t> </a:t>
-              </a:r>
-              <a:r>
-                <a:rPr lang="en-US" sz="2400" dirty="0" err="1">
-                  <a:solidFill>
-                    <a:schemeClr val="bg1"/>
-                  </a:solidFill>
-                </a:rPr>
-                <a:t>triển</a:t>
+                <a:t>các công việc tiếp theo</a:t>
               </a:r>
               <a:endParaRPr lang="en-VN" sz="2400" dirty="0">
                 <a:solidFill>
@@ -17161,7 +17490,7 @@
           <p:nvPr/>
         </p:nvPicPr>
         <p:blipFill>
-          <a:blip r:embed="rId2"/>
+          <a:blip r:embed="rId3"/>
           <a:stretch>
             <a:fillRect/>
           </a:stretch>
